--- a/src/PDTool/Logo.pptx
+++ b/src/PDTool/Logo.pptx
@@ -104,6 +104,11 @@
       </a:defRPr>
     </a:lvl9pPr>
   </p:defaultTextStyle>
+  <p:extLst>
+    <p:ext uri="{EFAFB233-063F-42B5-8137-9DF3F51BA10A}">
+      <p15:sldGuideLst xmlns:p15="http://schemas.microsoft.com/office/powerpoint/2012/main"/>
+    </p:ext>
+  </p:extLst>
 </p:presentation>
 </file>
 
@@ -149,7 +154,7 @@
           </a:lstStyle>
           <a:p>
             <a:r>
-              <a:rPr lang="es-ES" smtClean="0"/>
+              <a:rPr lang="es-ES"/>
               <a:t>Haga clic para modificar el estilo de título del patrón</a:t>
             </a:r>
             <a:endParaRPr lang="es-CO"/>
@@ -214,7 +219,7 @@
           </a:lstStyle>
           <a:p>
             <a:r>
-              <a:rPr lang="es-ES" smtClean="0"/>
+              <a:rPr lang="es-ES"/>
               <a:t>Haga clic para modificar el estilo de subtítulo del patrón</a:t>
             </a:r>
             <a:endParaRPr lang="es-CO"/>
@@ -238,7 +243,7 @@
           <a:p>
             <a:fld id="{9EA6E228-7DBC-427B-AD4C-CE82B8CE0126}" type="datetimeFigureOut">
               <a:rPr lang="es-CO" smtClean="0"/>
-              <a:t>19/06/2016</a:t>
+              <a:t>8/04/2017</a:t>
             </a:fld>
             <a:endParaRPr lang="es-CO"/>
           </a:p>
@@ -332,7 +337,7 @@
           <a:lstStyle/>
           <a:p>
             <a:r>
-              <a:rPr lang="es-ES" smtClean="0"/>
+              <a:rPr lang="es-ES"/>
               <a:t>Haga clic para modificar el estilo de título del patrón</a:t>
             </a:r>
             <a:endParaRPr lang="es-CO"/>
@@ -356,35 +361,35 @@
           <a:p>
             <a:pPr lvl="0"/>
             <a:r>
-              <a:rPr lang="es-ES" smtClean="0"/>
+              <a:rPr lang="es-ES"/>
               <a:t>Haga clic para modificar el estilo de texto del patrón</a:t>
             </a:r>
           </a:p>
           <a:p>
             <a:pPr lvl="1"/>
             <a:r>
-              <a:rPr lang="es-ES" smtClean="0"/>
+              <a:rPr lang="es-ES"/>
               <a:t>Segundo nivel</a:t>
             </a:r>
           </a:p>
           <a:p>
             <a:pPr lvl="2"/>
             <a:r>
-              <a:rPr lang="es-ES" smtClean="0"/>
+              <a:rPr lang="es-ES"/>
               <a:t>Tercer nivel</a:t>
             </a:r>
           </a:p>
           <a:p>
             <a:pPr lvl="3"/>
             <a:r>
-              <a:rPr lang="es-ES" smtClean="0"/>
+              <a:rPr lang="es-ES"/>
               <a:t>Cuarto nivel</a:t>
             </a:r>
           </a:p>
           <a:p>
             <a:pPr lvl="4"/>
             <a:r>
-              <a:rPr lang="es-ES" smtClean="0"/>
+              <a:rPr lang="es-ES"/>
               <a:t>Quinto nivel</a:t>
             </a:r>
             <a:endParaRPr lang="es-CO"/>
@@ -408,7 +413,7 @@
           <a:p>
             <a:fld id="{9EA6E228-7DBC-427B-AD4C-CE82B8CE0126}" type="datetimeFigureOut">
               <a:rPr lang="es-CO" smtClean="0"/>
-              <a:t>19/06/2016</a:t>
+              <a:t>8/04/2017</a:t>
             </a:fld>
             <a:endParaRPr lang="es-CO"/>
           </a:p>
@@ -507,7 +512,7 @@
           <a:lstStyle/>
           <a:p>
             <a:r>
-              <a:rPr lang="es-ES" smtClean="0"/>
+              <a:rPr lang="es-ES"/>
               <a:t>Haga clic para modificar el estilo de título del patrón</a:t>
             </a:r>
             <a:endParaRPr lang="es-CO"/>
@@ -536,35 +541,35 @@
           <a:p>
             <a:pPr lvl="0"/>
             <a:r>
-              <a:rPr lang="es-ES" smtClean="0"/>
+              <a:rPr lang="es-ES"/>
               <a:t>Haga clic para modificar el estilo de texto del patrón</a:t>
             </a:r>
           </a:p>
           <a:p>
             <a:pPr lvl="1"/>
             <a:r>
-              <a:rPr lang="es-ES" smtClean="0"/>
+              <a:rPr lang="es-ES"/>
               <a:t>Segundo nivel</a:t>
             </a:r>
           </a:p>
           <a:p>
             <a:pPr lvl="2"/>
             <a:r>
-              <a:rPr lang="es-ES" smtClean="0"/>
+              <a:rPr lang="es-ES"/>
               <a:t>Tercer nivel</a:t>
             </a:r>
           </a:p>
           <a:p>
             <a:pPr lvl="3"/>
             <a:r>
-              <a:rPr lang="es-ES" smtClean="0"/>
+              <a:rPr lang="es-ES"/>
               <a:t>Cuarto nivel</a:t>
             </a:r>
           </a:p>
           <a:p>
             <a:pPr lvl="4"/>
             <a:r>
-              <a:rPr lang="es-ES" smtClean="0"/>
+              <a:rPr lang="es-ES"/>
               <a:t>Quinto nivel</a:t>
             </a:r>
             <a:endParaRPr lang="es-CO"/>
@@ -588,7 +593,7 @@
           <a:p>
             <a:fld id="{9EA6E228-7DBC-427B-AD4C-CE82B8CE0126}" type="datetimeFigureOut">
               <a:rPr lang="es-CO" smtClean="0"/>
-              <a:t>19/06/2016</a:t>
+              <a:t>8/04/2017</a:t>
             </a:fld>
             <a:endParaRPr lang="es-CO"/>
           </a:p>
@@ -682,7 +687,7 @@
           <a:lstStyle/>
           <a:p>
             <a:r>
-              <a:rPr lang="es-ES" smtClean="0"/>
+              <a:rPr lang="es-ES"/>
               <a:t>Haga clic para modificar el estilo de título del patrón</a:t>
             </a:r>
             <a:endParaRPr lang="es-CO"/>
@@ -706,35 +711,35 @@
           <a:p>
             <a:pPr lvl="0"/>
             <a:r>
-              <a:rPr lang="es-ES" smtClean="0"/>
+              <a:rPr lang="es-ES"/>
               <a:t>Haga clic para modificar el estilo de texto del patrón</a:t>
             </a:r>
           </a:p>
           <a:p>
             <a:pPr lvl="1"/>
             <a:r>
-              <a:rPr lang="es-ES" smtClean="0"/>
+              <a:rPr lang="es-ES"/>
               <a:t>Segundo nivel</a:t>
             </a:r>
           </a:p>
           <a:p>
             <a:pPr lvl="2"/>
             <a:r>
-              <a:rPr lang="es-ES" smtClean="0"/>
+              <a:rPr lang="es-ES"/>
               <a:t>Tercer nivel</a:t>
             </a:r>
           </a:p>
           <a:p>
             <a:pPr lvl="3"/>
             <a:r>
-              <a:rPr lang="es-ES" smtClean="0"/>
+              <a:rPr lang="es-ES"/>
               <a:t>Cuarto nivel</a:t>
             </a:r>
           </a:p>
           <a:p>
             <a:pPr lvl="4"/>
             <a:r>
-              <a:rPr lang="es-ES" smtClean="0"/>
+              <a:rPr lang="es-ES"/>
               <a:t>Quinto nivel</a:t>
             </a:r>
             <a:endParaRPr lang="es-CO"/>
@@ -758,7 +763,7 @@
           <a:p>
             <a:fld id="{9EA6E228-7DBC-427B-AD4C-CE82B8CE0126}" type="datetimeFigureOut">
               <a:rPr lang="es-CO" smtClean="0"/>
-              <a:t>19/06/2016</a:t>
+              <a:t>8/04/2017</a:t>
             </a:fld>
             <a:endParaRPr lang="es-CO"/>
           </a:p>
@@ -861,7 +866,7 @@
           </a:lstStyle>
           <a:p>
             <a:r>
-              <a:rPr lang="es-ES" smtClean="0"/>
+              <a:rPr lang="es-ES"/>
               <a:t>Haga clic para modificar el estilo de título del patrón</a:t>
             </a:r>
             <a:endParaRPr lang="es-CO"/>
@@ -981,7 +986,7 @@
           <a:p>
             <a:pPr lvl="0"/>
             <a:r>
-              <a:rPr lang="es-ES" smtClean="0"/>
+              <a:rPr lang="es-ES"/>
               <a:t>Haga clic para modificar el estilo de texto del patrón</a:t>
             </a:r>
           </a:p>
@@ -1004,7 +1009,7 @@
           <a:p>
             <a:fld id="{9EA6E228-7DBC-427B-AD4C-CE82B8CE0126}" type="datetimeFigureOut">
               <a:rPr lang="es-CO" smtClean="0"/>
-              <a:t>19/06/2016</a:t>
+              <a:t>8/04/2017</a:t>
             </a:fld>
             <a:endParaRPr lang="es-CO"/>
           </a:p>
@@ -1098,7 +1103,7 @@
           <a:lstStyle/>
           <a:p>
             <a:r>
-              <a:rPr lang="es-ES" smtClean="0"/>
+              <a:rPr lang="es-ES"/>
               <a:t>Haga clic para modificar el estilo de título del patrón</a:t>
             </a:r>
             <a:endParaRPr lang="es-CO"/>
@@ -1127,35 +1132,35 @@
           <a:p>
             <a:pPr lvl="0"/>
             <a:r>
-              <a:rPr lang="es-ES" smtClean="0"/>
+              <a:rPr lang="es-ES"/>
               <a:t>Haga clic para modificar el estilo de texto del patrón</a:t>
             </a:r>
           </a:p>
           <a:p>
             <a:pPr lvl="1"/>
             <a:r>
-              <a:rPr lang="es-ES" smtClean="0"/>
+              <a:rPr lang="es-ES"/>
               <a:t>Segundo nivel</a:t>
             </a:r>
           </a:p>
           <a:p>
             <a:pPr lvl="2"/>
             <a:r>
-              <a:rPr lang="es-ES" smtClean="0"/>
+              <a:rPr lang="es-ES"/>
               <a:t>Tercer nivel</a:t>
             </a:r>
           </a:p>
           <a:p>
             <a:pPr lvl="3"/>
             <a:r>
-              <a:rPr lang="es-ES" smtClean="0"/>
+              <a:rPr lang="es-ES"/>
               <a:t>Cuarto nivel</a:t>
             </a:r>
           </a:p>
           <a:p>
             <a:pPr lvl="4"/>
             <a:r>
-              <a:rPr lang="es-ES" smtClean="0"/>
+              <a:rPr lang="es-ES"/>
               <a:t>Quinto nivel</a:t>
             </a:r>
             <a:endParaRPr lang="es-CO"/>
@@ -1184,35 +1189,35 @@
           <a:p>
             <a:pPr lvl="0"/>
             <a:r>
-              <a:rPr lang="es-ES" smtClean="0"/>
+              <a:rPr lang="es-ES"/>
               <a:t>Haga clic para modificar el estilo de texto del patrón</a:t>
             </a:r>
           </a:p>
           <a:p>
             <a:pPr lvl="1"/>
             <a:r>
-              <a:rPr lang="es-ES" smtClean="0"/>
+              <a:rPr lang="es-ES"/>
               <a:t>Segundo nivel</a:t>
             </a:r>
           </a:p>
           <a:p>
             <a:pPr lvl="2"/>
             <a:r>
-              <a:rPr lang="es-ES" smtClean="0"/>
+              <a:rPr lang="es-ES"/>
               <a:t>Tercer nivel</a:t>
             </a:r>
           </a:p>
           <a:p>
             <a:pPr lvl="3"/>
             <a:r>
-              <a:rPr lang="es-ES" smtClean="0"/>
+              <a:rPr lang="es-ES"/>
               <a:t>Cuarto nivel</a:t>
             </a:r>
           </a:p>
           <a:p>
             <a:pPr lvl="4"/>
             <a:r>
-              <a:rPr lang="es-ES" smtClean="0"/>
+              <a:rPr lang="es-ES"/>
               <a:t>Quinto nivel</a:t>
             </a:r>
             <a:endParaRPr lang="es-CO"/>
@@ -1236,7 +1241,7 @@
           <a:p>
             <a:fld id="{9EA6E228-7DBC-427B-AD4C-CE82B8CE0126}" type="datetimeFigureOut">
               <a:rPr lang="es-CO" smtClean="0"/>
-              <a:t>19/06/2016</a:t>
+              <a:t>8/04/2017</a:t>
             </a:fld>
             <a:endParaRPr lang="es-CO"/>
           </a:p>
@@ -1335,7 +1340,7 @@
           <a:lstStyle/>
           <a:p>
             <a:r>
-              <a:rPr lang="es-ES" smtClean="0"/>
+              <a:rPr lang="es-ES"/>
               <a:t>Haga clic para modificar el estilo de título del patrón</a:t>
             </a:r>
             <a:endParaRPr lang="es-CO"/>
@@ -1401,7 +1406,7 @@
           <a:p>
             <a:pPr lvl="0"/>
             <a:r>
-              <a:rPr lang="es-ES" smtClean="0"/>
+              <a:rPr lang="es-ES"/>
               <a:t>Haga clic para modificar el estilo de texto del patrón</a:t>
             </a:r>
           </a:p>
@@ -1429,35 +1434,35 @@
           <a:p>
             <a:pPr lvl="0"/>
             <a:r>
-              <a:rPr lang="es-ES" smtClean="0"/>
+              <a:rPr lang="es-ES"/>
               <a:t>Haga clic para modificar el estilo de texto del patrón</a:t>
             </a:r>
           </a:p>
           <a:p>
             <a:pPr lvl="1"/>
             <a:r>
-              <a:rPr lang="es-ES" smtClean="0"/>
+              <a:rPr lang="es-ES"/>
               <a:t>Segundo nivel</a:t>
             </a:r>
           </a:p>
           <a:p>
             <a:pPr lvl="2"/>
             <a:r>
-              <a:rPr lang="es-ES" smtClean="0"/>
+              <a:rPr lang="es-ES"/>
               <a:t>Tercer nivel</a:t>
             </a:r>
           </a:p>
           <a:p>
             <a:pPr lvl="3"/>
             <a:r>
-              <a:rPr lang="es-ES" smtClean="0"/>
+              <a:rPr lang="es-ES"/>
               <a:t>Cuarto nivel</a:t>
             </a:r>
           </a:p>
           <a:p>
             <a:pPr lvl="4"/>
             <a:r>
-              <a:rPr lang="es-ES" smtClean="0"/>
+              <a:rPr lang="es-ES"/>
               <a:t>Quinto nivel</a:t>
             </a:r>
             <a:endParaRPr lang="es-CO"/>
@@ -1523,7 +1528,7 @@
           <a:p>
             <a:pPr lvl="0"/>
             <a:r>
-              <a:rPr lang="es-ES" smtClean="0"/>
+              <a:rPr lang="es-ES"/>
               <a:t>Haga clic para modificar el estilo de texto del patrón</a:t>
             </a:r>
           </a:p>
@@ -1551,35 +1556,35 @@
           <a:p>
             <a:pPr lvl="0"/>
             <a:r>
-              <a:rPr lang="es-ES" smtClean="0"/>
+              <a:rPr lang="es-ES"/>
               <a:t>Haga clic para modificar el estilo de texto del patrón</a:t>
             </a:r>
           </a:p>
           <a:p>
             <a:pPr lvl="1"/>
             <a:r>
-              <a:rPr lang="es-ES" smtClean="0"/>
+              <a:rPr lang="es-ES"/>
               <a:t>Segundo nivel</a:t>
             </a:r>
           </a:p>
           <a:p>
             <a:pPr lvl="2"/>
             <a:r>
-              <a:rPr lang="es-ES" smtClean="0"/>
+              <a:rPr lang="es-ES"/>
               <a:t>Tercer nivel</a:t>
             </a:r>
           </a:p>
           <a:p>
             <a:pPr lvl="3"/>
             <a:r>
-              <a:rPr lang="es-ES" smtClean="0"/>
+              <a:rPr lang="es-ES"/>
               <a:t>Cuarto nivel</a:t>
             </a:r>
           </a:p>
           <a:p>
             <a:pPr lvl="4"/>
             <a:r>
-              <a:rPr lang="es-ES" smtClean="0"/>
+              <a:rPr lang="es-ES"/>
               <a:t>Quinto nivel</a:t>
             </a:r>
             <a:endParaRPr lang="es-CO"/>
@@ -1603,7 +1608,7 @@
           <a:p>
             <a:fld id="{9EA6E228-7DBC-427B-AD4C-CE82B8CE0126}" type="datetimeFigureOut">
               <a:rPr lang="es-CO" smtClean="0"/>
-              <a:t>19/06/2016</a:t>
+              <a:t>8/04/2017</a:t>
             </a:fld>
             <a:endParaRPr lang="es-CO"/>
           </a:p>
@@ -1697,7 +1702,7 @@
           <a:lstStyle/>
           <a:p>
             <a:r>
-              <a:rPr lang="es-ES" smtClean="0"/>
+              <a:rPr lang="es-ES"/>
               <a:t>Haga clic para modificar el estilo de título del patrón</a:t>
             </a:r>
             <a:endParaRPr lang="es-CO"/>
@@ -1721,7 +1726,7 @@
           <a:p>
             <a:fld id="{9EA6E228-7DBC-427B-AD4C-CE82B8CE0126}" type="datetimeFigureOut">
               <a:rPr lang="es-CO" smtClean="0"/>
-              <a:t>19/06/2016</a:t>
+              <a:t>8/04/2017</a:t>
             </a:fld>
             <a:endParaRPr lang="es-CO"/>
           </a:p>
@@ -1816,7 +1821,7 @@
           <a:p>
             <a:fld id="{9EA6E228-7DBC-427B-AD4C-CE82B8CE0126}" type="datetimeFigureOut">
               <a:rPr lang="es-CO" smtClean="0"/>
-              <a:t>19/06/2016</a:t>
+              <a:t>8/04/2017</a:t>
             </a:fld>
             <a:endParaRPr lang="es-CO"/>
           </a:p>
@@ -1919,7 +1924,7 @@
           </a:lstStyle>
           <a:p>
             <a:r>
-              <a:rPr lang="es-ES" smtClean="0"/>
+              <a:rPr lang="es-ES"/>
               <a:t>Haga clic para modificar el estilo de título del patrón</a:t>
             </a:r>
             <a:endParaRPr lang="es-CO"/>
@@ -1976,35 +1981,35 @@
           <a:p>
             <a:pPr lvl="0"/>
             <a:r>
-              <a:rPr lang="es-ES" smtClean="0"/>
+              <a:rPr lang="es-ES"/>
               <a:t>Haga clic para modificar el estilo de texto del patrón</a:t>
             </a:r>
           </a:p>
           <a:p>
             <a:pPr lvl="1"/>
             <a:r>
-              <a:rPr lang="es-ES" smtClean="0"/>
+              <a:rPr lang="es-ES"/>
               <a:t>Segundo nivel</a:t>
             </a:r>
           </a:p>
           <a:p>
             <a:pPr lvl="2"/>
             <a:r>
-              <a:rPr lang="es-ES" smtClean="0"/>
+              <a:rPr lang="es-ES"/>
               <a:t>Tercer nivel</a:t>
             </a:r>
           </a:p>
           <a:p>
             <a:pPr lvl="3"/>
             <a:r>
-              <a:rPr lang="es-ES" smtClean="0"/>
+              <a:rPr lang="es-ES"/>
               <a:t>Cuarto nivel</a:t>
             </a:r>
           </a:p>
           <a:p>
             <a:pPr lvl="4"/>
             <a:r>
-              <a:rPr lang="es-ES" smtClean="0"/>
+              <a:rPr lang="es-ES"/>
               <a:t>Quinto nivel</a:t>
             </a:r>
             <a:endParaRPr lang="es-CO"/>
@@ -2070,7 +2075,7 @@
           <a:p>
             <a:pPr lvl="0"/>
             <a:r>
-              <a:rPr lang="es-ES" smtClean="0"/>
+              <a:rPr lang="es-ES"/>
               <a:t>Haga clic para modificar el estilo de texto del patrón</a:t>
             </a:r>
           </a:p>
@@ -2093,7 +2098,7 @@
           <a:p>
             <a:fld id="{9EA6E228-7DBC-427B-AD4C-CE82B8CE0126}" type="datetimeFigureOut">
               <a:rPr lang="es-CO" smtClean="0"/>
-              <a:t>19/06/2016</a:t>
+              <a:t>8/04/2017</a:t>
             </a:fld>
             <a:endParaRPr lang="es-CO"/>
           </a:p>
@@ -2196,7 +2201,7 @@
           </a:lstStyle>
           <a:p>
             <a:r>
-              <a:rPr lang="es-ES" smtClean="0"/>
+              <a:rPr lang="es-ES"/>
               <a:t>Haga clic para modificar el estilo de título del patrón</a:t>
             </a:r>
             <a:endParaRPr lang="es-CO"/>
@@ -2323,7 +2328,7 @@
           <a:p>
             <a:pPr lvl="0"/>
             <a:r>
-              <a:rPr lang="es-ES" smtClean="0"/>
+              <a:rPr lang="es-ES"/>
               <a:t>Haga clic para modificar el estilo de texto del patrón</a:t>
             </a:r>
           </a:p>
@@ -2346,7 +2351,7 @@
           <a:p>
             <a:fld id="{9EA6E228-7DBC-427B-AD4C-CE82B8CE0126}" type="datetimeFigureOut">
               <a:rPr lang="es-CO" smtClean="0"/>
-              <a:t>19/06/2016</a:t>
+              <a:t>8/04/2017</a:t>
             </a:fld>
             <a:endParaRPr lang="es-CO"/>
           </a:p>
@@ -2455,7 +2460,7 @@
           <a:lstStyle/>
           <a:p>
             <a:r>
-              <a:rPr lang="es-ES" smtClean="0"/>
+              <a:rPr lang="es-ES"/>
               <a:t>Haga clic para modificar el estilo de título del patrón</a:t>
             </a:r>
             <a:endParaRPr lang="es-CO"/>
@@ -2489,35 +2494,35 @@
           <a:p>
             <a:pPr lvl="0"/>
             <a:r>
-              <a:rPr lang="es-ES" smtClean="0"/>
+              <a:rPr lang="es-ES"/>
               <a:t>Haga clic para modificar el estilo de texto del patrón</a:t>
             </a:r>
           </a:p>
           <a:p>
             <a:pPr lvl="1"/>
             <a:r>
-              <a:rPr lang="es-ES" smtClean="0"/>
+              <a:rPr lang="es-ES"/>
               <a:t>Segundo nivel</a:t>
             </a:r>
           </a:p>
           <a:p>
             <a:pPr lvl="2"/>
             <a:r>
-              <a:rPr lang="es-ES" smtClean="0"/>
+              <a:rPr lang="es-ES"/>
               <a:t>Tercer nivel</a:t>
             </a:r>
           </a:p>
           <a:p>
             <a:pPr lvl="3"/>
             <a:r>
-              <a:rPr lang="es-ES" smtClean="0"/>
+              <a:rPr lang="es-ES"/>
               <a:t>Cuarto nivel</a:t>
             </a:r>
           </a:p>
           <a:p>
             <a:pPr lvl="4"/>
             <a:r>
-              <a:rPr lang="es-ES" smtClean="0"/>
+              <a:rPr lang="es-ES"/>
               <a:t>Quinto nivel</a:t>
             </a:r>
             <a:endParaRPr lang="es-CO"/>
@@ -2559,7 +2564,7 @@
           <a:p>
             <a:fld id="{9EA6E228-7DBC-427B-AD4C-CE82B8CE0126}" type="datetimeFigureOut">
               <a:rPr lang="es-CO" smtClean="0"/>
-              <a:t>19/06/2016</a:t>
+              <a:t>8/04/2017</a:t>
             </a:fld>
             <a:endParaRPr lang="es-CO"/>
           </a:p>
@@ -2964,164 +2969,196 @@
           <a:chExt cx="0" cy="0"/>
         </a:xfrm>
       </p:grpSpPr>
-      <p:pic>
-        <p:nvPicPr>
-          <p:cNvPr id="4" name="Imagen 3"/>
-          <p:cNvPicPr>
-            <a:picLocks noChangeAspect="1"/>
-          </p:cNvPicPr>
-          <p:nvPr/>
-        </p:nvPicPr>
-        <p:blipFill rotWithShape="1">
-          <a:blip r:embed="rId2">
-            <a:extLst>
-              <a:ext uri="{28A0092B-C50C-407E-A947-70E740481C1C}">
-                <a14:useLocalDpi xmlns:a14="http://schemas.microsoft.com/office/drawing/2010/main" val="0"/>
-              </a:ext>
-            </a:extLst>
-          </a:blip>
-          <a:srcRect l="9269" r="7532" b="22125"/>
-          <a:stretch/>
-        </p:blipFill>
-        <p:spPr>
-          <a:xfrm>
-            <a:off x="1035753" y="1320185"/>
-            <a:ext cx="3085397" cy="442553"/>
-          </a:xfrm>
-          <a:prstGeom prst="rect">
-            <a:avLst/>
-          </a:prstGeom>
-        </p:spPr>
-      </p:pic>
-      <p:pic>
-        <p:nvPicPr>
-          <p:cNvPr id="5" name="Imagen 4"/>
-          <p:cNvPicPr>
-            <a:picLocks noChangeAspect="1"/>
-          </p:cNvPicPr>
-          <p:nvPr/>
-        </p:nvPicPr>
-        <p:blipFill rotWithShape="1">
-          <a:blip r:embed="rId3"/>
-          <a:srcRect l="11571" t="5608" r="8144" b="9974"/>
-          <a:stretch/>
-        </p:blipFill>
-        <p:spPr>
-          <a:xfrm>
-            <a:off x="107555" y="1250950"/>
-            <a:ext cx="990880" cy="581024"/>
-          </a:xfrm>
-          <a:prstGeom prst="rect">
-            <a:avLst/>
-          </a:prstGeom>
-        </p:spPr>
-      </p:pic>
       <p:grpSp>
         <p:nvGrpSpPr>
-          <p:cNvPr id="6" name="Grupo 5"/>
+          <p:cNvPr id="3" name="Grupo 2"/>
           <p:cNvGrpSpPr/>
           <p:nvPr/>
         </p:nvGrpSpPr>
         <p:grpSpPr>
           <a:xfrm>
-            <a:off x="4022725" y="1250950"/>
-            <a:ext cx="841375" cy="581025"/>
-            <a:chOff x="3838575" y="929788"/>
-            <a:chExt cx="1374775" cy="1024053"/>
+            <a:off x="238539" y="1224446"/>
+            <a:ext cx="3264132" cy="486363"/>
+            <a:chOff x="238539" y="1224446"/>
+            <a:chExt cx="3264132" cy="486363"/>
           </a:xfrm>
         </p:grpSpPr>
         <p:pic>
           <p:nvPicPr>
-            <p:cNvPr id="1028" name="Picture 4" descr="https://conveniosenaudea.files.wordpress.com/2011/07/logoudeafaccomunicaciones2.png"/>
+            <p:cNvPr id="5" name="Imagen 4"/>
             <p:cNvPicPr>
-              <a:picLocks noChangeAspect="1" noChangeArrowheads="1"/>
+              <a:picLocks noChangeAspect="1"/>
             </p:cNvPicPr>
             <p:nvPr/>
           </p:nvPicPr>
           <p:blipFill rotWithShape="1">
-            <a:blip r:embed="rId4" cstate="print">
-              <a:duotone>
-                <a:schemeClr val="accent5">
-                  <a:shade val="45000"/>
-                  <a:satMod val="135000"/>
-                </a:schemeClr>
-                <a:prstClr val="white"/>
-              </a:duotone>
+            <a:blip r:embed="rId2"/>
+            <a:srcRect l="11571" t="5608" r="8144" b="9974"/>
+            <a:stretch/>
+          </p:blipFill>
+          <p:spPr>
+            <a:xfrm>
+              <a:off x="238539" y="1224446"/>
+              <a:ext cx="675861" cy="473111"/>
+            </a:xfrm>
+            <a:prstGeom prst="rect">
+              <a:avLst/>
+            </a:prstGeom>
+          </p:spPr>
+        </p:pic>
+        <p:grpSp>
+          <p:nvGrpSpPr>
+            <p:cNvPr id="6" name="Grupo 5"/>
+            <p:cNvGrpSpPr/>
+            <p:nvPr/>
+          </p:nvGrpSpPr>
+          <p:grpSpPr>
+            <a:xfrm>
+              <a:off x="2809102" y="1249144"/>
+              <a:ext cx="693569" cy="461665"/>
+              <a:chOff x="3838575" y="929788"/>
+              <a:chExt cx="1374775" cy="1024053"/>
+            </a:xfrm>
+          </p:grpSpPr>
+          <p:pic>
+            <p:nvPicPr>
+              <p:cNvPr id="1028" name="Picture 4" descr="https://conveniosenaudea.files.wordpress.com/2011/07/logoudeafaccomunicaciones2.png"/>
+              <p:cNvPicPr>
+                <a:picLocks noChangeAspect="1" noChangeArrowheads="1"/>
+              </p:cNvPicPr>
+              <p:nvPr/>
+            </p:nvPicPr>
+            <p:blipFill rotWithShape="1">
+              <a:blip r:embed="rId3" cstate="print">
+                <a:duotone>
+                  <a:schemeClr val="accent5">
+                    <a:shade val="45000"/>
+                    <a:satMod val="135000"/>
+                  </a:schemeClr>
+                  <a:prstClr val="white"/>
+                </a:duotone>
+                <a:extLst>
+                  <a:ext uri="{28A0092B-C50C-407E-A947-70E740481C1C}">
+                    <a14:useLocalDpi xmlns:a14="http://schemas.microsoft.com/office/drawing/2010/main" val="0"/>
+                  </a:ext>
+                </a:extLst>
+              </a:blip>
+              <a:srcRect b="42865"/>
+              <a:stretch/>
+            </p:blipFill>
+            <p:spPr bwMode="auto">
+              <a:xfrm>
+                <a:off x="3838575" y="929788"/>
+                <a:ext cx="1374775" cy="829162"/>
+              </a:xfrm>
+              <a:prstGeom prst="rect">
+                <a:avLst/>
+              </a:prstGeom>
+              <a:noFill/>
               <a:extLst>
-                <a:ext uri="{28A0092B-C50C-407E-A947-70E740481C1C}">
-                  <a14:useLocalDpi xmlns:a14="http://schemas.microsoft.com/office/drawing/2010/main" val="0"/>
+                <a:ext uri="{909E8E84-426E-40DD-AFC4-6F175D3DCCD1}">
+                  <a14:hiddenFill xmlns:a14="http://schemas.microsoft.com/office/drawing/2010/main">
+                    <a:solidFill>
+                      <a:srgbClr val="FFFFFF"/>
+                    </a:solidFill>
+                  </a14:hiddenFill>
                 </a:ext>
               </a:extLst>
-            </a:blip>
-            <a:srcRect b="42865"/>
-            <a:stretch/>
-          </p:blipFill>
-          <p:spPr bwMode="auto">
+            </p:spPr>
+          </p:pic>
+          <p:pic>
+            <p:nvPicPr>
+              <p:cNvPr id="8" name="Picture 4" descr="https://conveniosenaudea.files.wordpress.com/2011/07/logoudeafaccomunicaciones2.png"/>
+              <p:cNvPicPr>
+                <a:picLocks noChangeAspect="1" noChangeArrowheads="1"/>
+              </p:cNvPicPr>
+              <p:nvPr/>
+            </p:nvPicPr>
+            <p:blipFill rotWithShape="1">
+              <a:blip r:embed="rId4" cstate="print">
+                <a:duotone>
+                  <a:schemeClr val="accent5">
+                    <a:shade val="45000"/>
+                    <a:satMod val="135000"/>
+                  </a:schemeClr>
+                  <a:prstClr val="white"/>
+                </a:duotone>
+                <a:extLst>
+                  <a:ext uri="{28A0092B-C50C-407E-A947-70E740481C1C}">
+                    <a14:useLocalDpi xmlns:a14="http://schemas.microsoft.com/office/drawing/2010/main" val="0"/>
+                  </a:ext>
+                </a:extLst>
+              </a:blip>
+              <a:srcRect l="924" t="61259" r="-924" b="21424"/>
+              <a:stretch/>
+            </p:blipFill>
+            <p:spPr bwMode="auto">
+              <a:xfrm>
+                <a:off x="3838575" y="1702529"/>
+                <a:ext cx="1374775" cy="251312"/>
+              </a:xfrm>
+              <a:prstGeom prst="rect">
+                <a:avLst/>
+              </a:prstGeom>
+              <a:noFill/>
+              <a:extLst>
+                <a:ext uri="{909E8E84-426E-40DD-AFC4-6F175D3DCCD1}">
+                  <a14:hiddenFill xmlns:a14="http://schemas.microsoft.com/office/drawing/2010/main">
+                    <a:solidFill>
+                      <a:srgbClr val="FFFFFF"/>
+                    </a:solidFill>
+                  </a14:hiddenFill>
+                </a:ext>
+              </a:extLst>
+            </p:spPr>
+          </p:pic>
+        </p:grpSp>
+        <p:sp>
+          <p:nvSpPr>
+            <p:cNvPr id="2" name="CuadroTexto 1"/>
+            <p:cNvSpPr txBox="1"/>
+            <p:nvPr/>
+          </p:nvSpPr>
+          <p:spPr>
             <a:xfrm>
-              <a:off x="3838575" y="929788"/>
-              <a:ext cx="1374775" cy="829162"/>
+              <a:off x="868017" y="1227721"/>
+              <a:ext cx="1987467" cy="461665"/>
             </a:xfrm>
             <a:prstGeom prst="rect">
               <a:avLst/>
             </a:prstGeom>
             <a:noFill/>
-            <a:extLst>
-              <a:ext uri="{909E8E84-426E-40DD-AFC4-6F175D3DCCD1}">
-                <a14:hiddenFill xmlns:a14="http://schemas.microsoft.com/office/drawing/2010/main">
+          </p:spPr>
+          <p:txBody>
+            <a:bodyPr wrap="none" rtlCol="0">
+              <a:spAutoFit/>
+            </a:bodyPr>
+            <a:lstStyle/>
+            <a:p>
+              <a:r>
+                <a:rPr lang="es-CO" sz="2400" b="1" dirty="0">
                   <a:solidFill>
-                    <a:srgbClr val="FFFFFF"/>
+                    <a:schemeClr val="accent1"/>
                   </a:solidFill>
-                </a14:hiddenFill>
-              </a:ext>
-            </a:extLst>
-          </p:spPr>
-        </p:pic>
-        <p:pic>
-          <p:nvPicPr>
-            <p:cNvPr id="8" name="Picture 4" descr="https://conveniosenaudea.files.wordpress.com/2011/07/logoudeafaccomunicaciones2.png"/>
-            <p:cNvPicPr>
-              <a:picLocks noChangeAspect="1" noChangeArrowheads="1"/>
-            </p:cNvPicPr>
-            <p:nvPr/>
-          </p:nvPicPr>
-          <p:blipFill rotWithShape="1">
-            <a:blip r:embed="rId4" cstate="print">
-              <a:duotone>
-                <a:schemeClr val="accent5">
-                  <a:shade val="45000"/>
-                  <a:satMod val="135000"/>
-                </a:schemeClr>
-                <a:prstClr val="white"/>
-              </a:duotone>
-              <a:extLst>
-                <a:ext uri="{28A0092B-C50C-407E-A947-70E740481C1C}">
-                  <a14:useLocalDpi xmlns:a14="http://schemas.microsoft.com/office/drawing/2010/main" val="0"/>
-                </a:ext>
-              </a:extLst>
-            </a:blip>
-            <a:srcRect l="924" t="61259" r="-924" b="21424"/>
-            <a:stretch/>
-          </p:blipFill>
-          <p:spPr bwMode="auto">
-            <a:xfrm>
-              <a:off x="3838575" y="1702529"/>
-              <a:ext cx="1374775" cy="251312"/>
-            </a:xfrm>
-            <a:prstGeom prst="rect">
-              <a:avLst/>
-            </a:prstGeom>
-            <a:noFill/>
-            <a:extLst>
-              <a:ext uri="{909E8E84-426E-40DD-AFC4-6F175D3DCCD1}">
-                <a14:hiddenFill xmlns:a14="http://schemas.microsoft.com/office/drawing/2010/main">
+                </a:rPr>
+                <a:t>Neuro-</a:t>
+              </a:r>
+              <a:r>
+                <a:rPr lang="es-CO" sz="2400" b="1" dirty="0" err="1">
                   <a:solidFill>
-                    <a:srgbClr val="FFFFFF"/>
+                    <a:schemeClr val="accent1"/>
                   </a:solidFill>
-                </a14:hiddenFill>
-              </a:ext>
-            </a:extLst>
-          </p:spPr>
-        </p:pic>
+                </a:rPr>
+                <a:t>Speech</a:t>
+              </a:r>
+              <a:endParaRPr lang="es-CO" sz="2400" b="1" dirty="0">
+                <a:solidFill>
+                  <a:schemeClr val="accent1"/>
+                </a:solidFill>
+              </a:endParaRPr>
+            </a:p>
+          </p:txBody>
+        </p:sp>
       </p:grpSp>
     </p:spTree>
     <p:extLst>
